--- a/Final_Project/Final_Project/FinalProject_20155857_손희덕.pptx
+++ b/Final_Project/Final_Project/FinalProject_20155857_손희덕.pptx
@@ -5,34 +5,32 @@
     <p:sldMasterId id="2147483648" r:id="rId1"/>
   </p:sldMasterIdLst>
   <p:notesMasterIdLst>
-    <p:notesMasterId r:id="rId9"/>
+    <p:notesMasterId r:id="rId7"/>
   </p:notesMasterIdLst>
   <p:sldIdLst>
     <p:sldId id="271" r:id="rId2"/>
     <p:sldId id="286" r:id="rId3"/>
     <p:sldId id="287" r:id="rId4"/>
-    <p:sldId id="288" r:id="rId5"/>
-    <p:sldId id="289" r:id="rId6"/>
-    <p:sldId id="290" r:id="rId7"/>
-    <p:sldId id="279" r:id="rId8"/>
+    <p:sldId id="289" r:id="rId5"/>
+    <p:sldId id="279" r:id="rId6"/>
   </p:sldIdLst>
   <p:sldSz cx="9144000" cy="6858000" type="screen4x3"/>
   <p:notesSz cx="6805613" cy="9939338"/>
   <p:embeddedFontLst>
     <p:embeddedFont>
       <p:font typeface="나눔고딕" panose="020D0604000000000000" pitchFamily="34" charset="-127"/>
+      <p:regular r:id="rId8"/>
+      <p:bold r:id="rId9"/>
+    </p:embeddedFont>
+    <p:embeddedFont>
+      <p:font typeface="나눔고딕 ExtraBold" panose="020D0604000000000000" pitchFamily="34" charset="-127"/>
       <p:regular r:id="rId10"/>
       <p:bold r:id="rId11"/>
     </p:embeddedFont>
     <p:embeddedFont>
-      <p:font typeface="나눔고딕 ExtraBold" panose="020D0604000000000000" pitchFamily="34" charset="-127"/>
+      <p:font typeface="맑은 고딕" panose="020B0503020000020004" pitchFamily="34" charset="-127"/>
       <p:regular r:id="rId12"/>
       <p:bold r:id="rId13"/>
-    </p:embeddedFont>
-    <p:embeddedFont>
-      <p:font typeface="맑은 고딕" panose="020B0503020000020004" pitchFamily="34" charset="-127"/>
-      <p:regular r:id="rId14"/>
-      <p:bold r:id="rId15"/>
     </p:embeddedFont>
   </p:embeddedFontLst>
   <p:defaultTextStyle>
@@ -232,7 +230,7 @@
             <a:fld id="{8FE3A397-4DC3-46CE-9AE3-45BE39C97A59}" type="datetimeFigureOut">
               <a:rPr lang="ko-KR" altLang="en-US" smtClean="0"/>
               <a:pPr/>
-              <a:t>2018. 12. 11.</a:t>
+              <a:t>2018. 12. 14.</a:t>
             </a:fld>
             <a:endParaRPr lang="ko-KR" altLang="en-US"/>
           </a:p>
@@ -4767,484 +4765,6 @@
           <a:p>
             <a:pPr algn="l"/>
             <a:r>
-              <a:rPr lang="en-US" altLang="ko-KR" sz="3000" spc="-100" dirty="0">
-                <a:latin typeface="나눔고딕 ExtraBold" pitchFamily="50" charset="-127"/>
-                <a:ea typeface="나눔고딕 ExtraBold" pitchFamily="50" charset="-127"/>
-              </a:rPr>
-              <a:t>gun</a:t>
-            </a:r>
-            <a:endParaRPr lang="en-US" altLang="ko-KR" sz="3000" b="1" spc="-100" dirty="0">
-              <a:solidFill>
-                <a:schemeClr val="accent6">
-                  <a:lumMod val="75000"/>
-                </a:schemeClr>
-              </a:solidFill>
-              <a:latin typeface="나눔고딕 ExtraBold" pitchFamily="50" charset="-127"/>
-              <a:ea typeface="나눔고딕 ExtraBold" pitchFamily="50" charset="-127"/>
-            </a:endParaRPr>
-          </a:p>
-        </p:txBody>
-      </p:sp>
-      <p:sp>
-        <p:nvSpPr>
-          <p:cNvPr id="8" name="직사각형 7"/>
-          <p:cNvSpPr/>
-          <p:nvPr/>
-        </p:nvSpPr>
-        <p:spPr>
-          <a:xfrm>
-            <a:off x="395536" y="404664"/>
-            <a:ext cx="8352928" cy="792088"/>
-          </a:xfrm>
-          <a:prstGeom prst="rect">
-            <a:avLst/>
-          </a:prstGeom>
-          <a:noFill/>
-          <a:ln w="88900">
-            <a:solidFill>
-              <a:schemeClr val="accent6">
-                <a:lumMod val="75000"/>
-              </a:schemeClr>
-            </a:solidFill>
-            <a:miter lim="800000"/>
-          </a:ln>
-        </p:spPr>
-        <p:style>
-          <a:lnRef idx="2">
-            <a:schemeClr val="accent1">
-              <a:shade val="50000"/>
-            </a:schemeClr>
-          </a:lnRef>
-          <a:fillRef idx="1">
-            <a:schemeClr val="accent1"/>
-          </a:fillRef>
-          <a:effectRef idx="0">
-            <a:schemeClr val="accent1"/>
-          </a:effectRef>
-          <a:fontRef idx="minor">
-            <a:schemeClr val="lt1"/>
-          </a:fontRef>
-        </p:style>
-        <p:txBody>
-          <a:bodyPr rtlCol="0" anchor="ctr"/>
-          <a:lstStyle/>
-          <a:p>
-            <a:pPr algn="ctr"/>
-            <a:endParaRPr lang="ko-KR" altLang="en-US" dirty="0">
-              <a:solidFill>
-                <a:schemeClr val="accent6">
-                  <a:lumMod val="75000"/>
-                </a:schemeClr>
-              </a:solidFill>
-              <a:latin typeface="나눔고딕" pitchFamily="50" charset="-127"/>
-              <a:ea typeface="나눔고딕" pitchFamily="50" charset="-127"/>
-            </a:endParaRPr>
-          </a:p>
-        </p:txBody>
-      </p:sp>
-      <p:sp>
-        <p:nvSpPr>
-          <p:cNvPr id="19" name="부제목 2">
-            <a:extLst>
-              <a:ext uri="{FF2B5EF4-FFF2-40B4-BE49-F238E27FC236}">
-                <a16:creationId xmlns:a16="http://schemas.microsoft.com/office/drawing/2014/main" id="{7CBD11E1-C4CE-A045-A4FB-C57921323FB9}"/>
-              </a:ext>
-            </a:extLst>
-          </p:cNvPr>
-          <p:cNvSpPr txBox="1">
-            <a:spLocks/>
-          </p:cNvSpPr>
-          <p:nvPr/>
-        </p:nvSpPr>
-        <p:spPr>
-          <a:xfrm>
-            <a:off x="4139952" y="1591296"/>
-            <a:ext cx="3491880" cy="4519188"/>
-          </a:xfrm>
-          <a:prstGeom prst="rect">
-            <a:avLst/>
-          </a:prstGeom>
-        </p:spPr>
-        <p:txBody>
-          <a:bodyPr vert="horz" lIns="91440" tIns="45720" rIns="91440" bIns="45720" rtlCol="0">
-            <a:normAutofit/>
-          </a:bodyPr>
-          <a:lstStyle/>
-          <a:p>
-            <a:pPr>
-              <a:lnSpc>
-                <a:spcPct val="150000"/>
-              </a:lnSpc>
-            </a:pPr>
-            <a:r>
-              <a:rPr lang="en-US" altLang="ko-KR" sz="2000" b="1" spc="-20" dirty="0" err="1">
-                <a:solidFill>
-                  <a:schemeClr val="accent6">
-                    <a:lumMod val="75000"/>
-                  </a:schemeClr>
-                </a:solidFill>
-                <a:latin typeface="나눔고딕" pitchFamily="50" charset="-127"/>
-                <a:ea typeface="나눔고딕" pitchFamily="50" charset="-127"/>
-              </a:rPr>
-              <a:t>Gun.hit</a:t>
-            </a:r>
-            <a:r>
-              <a:rPr lang="en-US" altLang="ko-KR" sz="2000" b="1" spc="-20" dirty="0">
-                <a:solidFill>
-                  <a:schemeClr val="accent6">
-                    <a:lumMod val="75000"/>
-                  </a:schemeClr>
-                </a:solidFill>
-                <a:latin typeface="나눔고딕" pitchFamily="50" charset="-127"/>
-                <a:ea typeface="나눔고딕" pitchFamily="50" charset="-127"/>
-              </a:rPr>
-              <a:t>()</a:t>
-            </a:r>
-          </a:p>
-          <a:p>
-            <a:pPr>
-              <a:lnSpc>
-                <a:spcPct val="150000"/>
-              </a:lnSpc>
-            </a:pPr>
-            <a:r>
-              <a:rPr lang="ko-KR" altLang="en-US" sz="1600" spc="-20" dirty="0">
-                <a:solidFill>
-                  <a:schemeClr val="accent6">
-                    <a:lumMod val="75000"/>
-                  </a:schemeClr>
-                </a:solidFill>
-                <a:latin typeface="나눔고딕" pitchFamily="50" charset="-127"/>
-                <a:ea typeface="나눔고딕" pitchFamily="50" charset="-127"/>
-              </a:rPr>
-              <a:t>적과 헬리콥터가가 쏜 총알이 충돌했을 때</a:t>
-            </a:r>
-            <a:r>
-              <a:rPr lang="en-US" altLang="ko-KR" sz="1600" spc="-20" dirty="0">
-                <a:solidFill>
-                  <a:schemeClr val="accent6">
-                    <a:lumMod val="75000"/>
-                  </a:schemeClr>
-                </a:solidFill>
-                <a:latin typeface="나눔고딕" pitchFamily="50" charset="-127"/>
-                <a:ea typeface="나눔고딕" pitchFamily="50" charset="-127"/>
-              </a:rPr>
-              <a:t>,</a:t>
-            </a:r>
-            <a:r>
-              <a:rPr lang="ko-KR" altLang="en-US" sz="1600" spc="-20" dirty="0">
-                <a:solidFill>
-                  <a:schemeClr val="accent6">
-                    <a:lumMod val="75000"/>
-                  </a:schemeClr>
-                </a:solidFill>
-                <a:latin typeface="나눔고딕" pitchFamily="50" charset="-127"/>
-                <a:ea typeface="나눔고딕" pitchFamily="50" charset="-127"/>
-              </a:rPr>
-              <a:t> 적 소멸 및 </a:t>
-            </a:r>
-            <a:r>
-              <a:rPr lang="en-US" altLang="ko-KR" sz="1600" spc="-20" dirty="0">
-                <a:solidFill>
-                  <a:schemeClr val="accent6">
-                    <a:lumMod val="75000"/>
-                  </a:schemeClr>
-                </a:solidFill>
-                <a:latin typeface="나눔고딕" pitchFamily="50" charset="-127"/>
-                <a:ea typeface="나눔고딕" pitchFamily="50" charset="-127"/>
-              </a:rPr>
-              <a:t>score ++</a:t>
-            </a:r>
-          </a:p>
-          <a:p>
-            <a:pPr>
-              <a:lnSpc>
-                <a:spcPct val="150000"/>
-              </a:lnSpc>
-            </a:pPr>
-            <a:endParaRPr lang="en-US" altLang="ko-KR" sz="2000" b="1" spc="-20" dirty="0">
-              <a:solidFill>
-                <a:schemeClr val="accent6">
-                  <a:lumMod val="75000"/>
-                </a:schemeClr>
-              </a:solidFill>
-              <a:latin typeface="나눔고딕" pitchFamily="50" charset="-127"/>
-              <a:ea typeface="나눔고딕" pitchFamily="50" charset="-127"/>
-            </a:endParaRPr>
-          </a:p>
-          <a:p>
-            <a:pPr>
-              <a:lnSpc>
-                <a:spcPct val="150000"/>
-              </a:lnSpc>
-            </a:pPr>
-            <a:r>
-              <a:rPr lang="en-US" altLang="ko-KR" sz="2000" b="1" spc="-20" dirty="0" err="1">
-                <a:solidFill>
-                  <a:schemeClr val="accent6">
-                    <a:lumMod val="75000"/>
-                  </a:schemeClr>
-                </a:solidFill>
-                <a:latin typeface="나눔고딕" pitchFamily="50" charset="-127"/>
-                <a:ea typeface="나눔고딕" pitchFamily="50" charset="-127"/>
-              </a:rPr>
-              <a:t>Gun.render</a:t>
-            </a:r>
-            <a:r>
-              <a:rPr lang="en-US" altLang="ko-KR" sz="2000" b="1" spc="-20" dirty="0">
-                <a:solidFill>
-                  <a:schemeClr val="accent6">
-                    <a:lumMod val="75000"/>
-                  </a:schemeClr>
-                </a:solidFill>
-                <a:latin typeface="나눔고딕" pitchFamily="50" charset="-127"/>
-                <a:ea typeface="나눔고딕" pitchFamily="50" charset="-127"/>
-              </a:rPr>
-              <a:t>()</a:t>
-            </a:r>
-          </a:p>
-          <a:p>
-            <a:pPr>
-              <a:lnSpc>
-                <a:spcPct val="150000"/>
-              </a:lnSpc>
-            </a:pPr>
-            <a:r>
-              <a:rPr lang="ko-KR" altLang="en-US" sz="1600" spc="-20" dirty="0">
-                <a:solidFill>
-                  <a:schemeClr val="accent6">
-                    <a:lumMod val="75000"/>
-                  </a:schemeClr>
-                </a:solidFill>
-                <a:latin typeface="나눔고딕" pitchFamily="50" charset="-127"/>
-                <a:ea typeface="나눔고딕" pitchFamily="50" charset="-127"/>
-              </a:rPr>
-              <a:t>헬리콥터의 위치 </a:t>
-            </a:r>
-            <a:r>
-              <a:rPr lang="en-US" altLang="ko-KR" sz="1600" spc="-20" dirty="0">
-                <a:solidFill>
-                  <a:schemeClr val="accent6">
-                    <a:lumMod val="75000"/>
-                  </a:schemeClr>
-                </a:solidFill>
-                <a:latin typeface="나눔고딕" pitchFamily="50" charset="-127"/>
-                <a:ea typeface="나눔고딕" pitchFamily="50" charset="-127"/>
-              </a:rPr>
-              <a:t>(</a:t>
-            </a:r>
-            <a:r>
-              <a:rPr lang="en-US" altLang="ko-KR" sz="1600" spc="-20" dirty="0" err="1">
-                <a:solidFill>
-                  <a:schemeClr val="accent6">
-                    <a:lumMod val="75000"/>
-                  </a:schemeClr>
-                </a:solidFill>
-                <a:latin typeface="나눔고딕" pitchFamily="50" charset="-127"/>
-                <a:ea typeface="나눔고딕" pitchFamily="50" charset="-127"/>
-              </a:rPr>
-              <a:t>x,y</a:t>
-            </a:r>
-            <a:r>
-              <a:rPr lang="en-US" altLang="ko-KR" sz="1600" spc="-20" dirty="0">
-                <a:solidFill>
-                  <a:schemeClr val="accent6">
-                    <a:lumMod val="75000"/>
-                  </a:schemeClr>
-                </a:solidFill>
-                <a:latin typeface="나눔고딕" pitchFamily="50" charset="-127"/>
-                <a:ea typeface="나눔고딕" pitchFamily="50" charset="-127"/>
-              </a:rPr>
-              <a:t>)</a:t>
-            </a:r>
-            <a:r>
-              <a:rPr lang="ko-KR" altLang="en-US" sz="1600" spc="-20" dirty="0">
-                <a:solidFill>
-                  <a:schemeClr val="accent6">
-                    <a:lumMod val="75000"/>
-                  </a:schemeClr>
-                </a:solidFill>
-                <a:latin typeface="나눔고딕" pitchFamily="50" charset="-127"/>
-                <a:ea typeface="나눔고딕" pitchFamily="50" charset="-127"/>
-              </a:rPr>
-              <a:t>에서 </a:t>
-            </a:r>
-            <a:endParaRPr lang="en-US" altLang="ko-KR" sz="1600" spc="-20" dirty="0">
-              <a:solidFill>
-                <a:schemeClr val="accent6">
-                  <a:lumMod val="75000"/>
-                </a:schemeClr>
-              </a:solidFill>
-              <a:latin typeface="나눔고딕" pitchFamily="50" charset="-127"/>
-              <a:ea typeface="나눔고딕" pitchFamily="50" charset="-127"/>
-            </a:endParaRPr>
-          </a:p>
-          <a:p>
-            <a:pPr>
-              <a:lnSpc>
-                <a:spcPct val="150000"/>
-              </a:lnSpc>
-            </a:pPr>
-            <a:r>
-              <a:rPr lang="ko-KR" altLang="en-US" sz="1600" spc="-20" dirty="0">
-                <a:solidFill>
-                  <a:schemeClr val="accent6">
-                    <a:lumMod val="75000"/>
-                  </a:schemeClr>
-                </a:solidFill>
-                <a:latin typeface="나눔고딕" pitchFamily="50" charset="-127"/>
-                <a:ea typeface="나눔고딕" pitchFamily="50" charset="-127"/>
-              </a:rPr>
-              <a:t>총알을 생성</a:t>
-            </a:r>
-            <a:r>
-              <a:rPr lang="en-US" altLang="ko-KR" sz="1600" spc="-20" dirty="0">
-                <a:solidFill>
-                  <a:schemeClr val="accent6">
-                    <a:lumMod val="75000"/>
-                  </a:schemeClr>
-                </a:solidFill>
-                <a:latin typeface="나눔고딕" pitchFamily="50" charset="-127"/>
-                <a:ea typeface="나눔고딕" pitchFamily="50" charset="-127"/>
-              </a:rPr>
-              <a:t>,</a:t>
-            </a:r>
-            <a:r>
-              <a:rPr lang="ko-KR" altLang="en-US" sz="1600" spc="-20" dirty="0">
-                <a:solidFill>
-                  <a:schemeClr val="accent6">
-                    <a:lumMod val="75000"/>
-                  </a:schemeClr>
-                </a:solidFill>
-                <a:latin typeface="나눔고딕" pitchFamily="50" charset="-127"/>
-                <a:ea typeface="나눔고딕" pitchFamily="50" charset="-127"/>
-              </a:rPr>
-              <a:t> 오른쪽으로 이동</a:t>
-            </a:r>
-            <a:endParaRPr lang="en-US" altLang="ko-KR" sz="1600" spc="-20" dirty="0">
-              <a:solidFill>
-                <a:schemeClr val="accent6">
-                  <a:lumMod val="75000"/>
-                </a:schemeClr>
-              </a:solidFill>
-              <a:latin typeface="나눔고딕" pitchFamily="50" charset="-127"/>
-              <a:ea typeface="나눔고딕" pitchFamily="50" charset="-127"/>
-            </a:endParaRPr>
-          </a:p>
-          <a:p>
-            <a:pPr>
-              <a:lnSpc>
-                <a:spcPct val="150000"/>
-              </a:lnSpc>
-            </a:pPr>
-            <a:r>
-              <a:rPr lang="ko-KR" altLang="en-US" sz="1600" spc="-20" dirty="0">
-                <a:solidFill>
-                  <a:schemeClr val="accent6">
-                    <a:lumMod val="75000"/>
-                  </a:schemeClr>
-                </a:solidFill>
-                <a:latin typeface="나눔고딕" pitchFamily="50" charset="-127"/>
-                <a:ea typeface="나눔고딕" pitchFamily="50" charset="-127"/>
-              </a:rPr>
-              <a:t>화면 밖으로 나갔을 시 소멸 </a:t>
-            </a:r>
-            <a:endParaRPr lang="en-US" altLang="ko-KR" sz="1600" spc="-20" dirty="0">
-              <a:solidFill>
-                <a:schemeClr val="accent6">
-                  <a:lumMod val="75000"/>
-                </a:schemeClr>
-              </a:solidFill>
-              <a:latin typeface="나눔고딕" pitchFamily="50" charset="-127"/>
-              <a:ea typeface="나눔고딕" pitchFamily="50" charset="-127"/>
-            </a:endParaRPr>
-          </a:p>
-        </p:txBody>
-      </p:sp>
-      <p:pic>
-        <p:nvPicPr>
-          <p:cNvPr id="4" name="그림 3">
-            <a:extLst>
-              <a:ext uri="{FF2B5EF4-FFF2-40B4-BE49-F238E27FC236}">
-                <a16:creationId xmlns:a16="http://schemas.microsoft.com/office/drawing/2014/main" id="{9A5D3DFA-D689-724D-957F-4F162F57EEEA}"/>
-              </a:ext>
-            </a:extLst>
-          </p:cNvPr>
-          <p:cNvPicPr>
-            <a:picLocks noChangeAspect="1"/>
-          </p:cNvPicPr>
-          <p:nvPr/>
-        </p:nvPicPr>
-        <p:blipFill>
-          <a:blip r:embed="rId2"/>
-          <a:stretch>
-            <a:fillRect/>
-          </a:stretch>
-        </p:blipFill>
-        <p:spPr>
-          <a:xfrm>
-            <a:off x="395536" y="1498476"/>
-            <a:ext cx="3275857" cy="4598680"/>
-          </a:xfrm>
-          <a:prstGeom prst="rect">
-            <a:avLst/>
-          </a:prstGeom>
-        </p:spPr>
-      </p:pic>
-    </p:spTree>
-    <p:extLst>
-      <p:ext uri="{BB962C8B-B14F-4D97-AF65-F5344CB8AC3E}">
-        <p14:creationId xmlns:p14="http://schemas.microsoft.com/office/powerpoint/2010/main" val="1917164516"/>
-      </p:ext>
-    </p:extLst>
-  </p:cSld>
-  <p:clrMapOvr>
-    <a:masterClrMapping/>
-  </p:clrMapOvr>
-</p:sld>
-</file>
-
-<file path=ppt/slides/slide5.xml><?xml version="1.0" encoding="utf-8"?>
-<p:sld xmlns:a="http://schemas.openxmlformats.org/drawingml/2006/main" xmlns:r="http://schemas.openxmlformats.org/officeDocument/2006/relationships" xmlns:p="http://schemas.openxmlformats.org/presentationml/2006/main">
-  <p:cSld>
-    <p:spTree>
-      <p:nvGrpSpPr>
-        <p:cNvPr id="1" name=""/>
-        <p:cNvGrpSpPr/>
-        <p:nvPr/>
-      </p:nvGrpSpPr>
-      <p:grpSpPr>
-        <a:xfrm>
-          <a:off x="0" y="0"/>
-          <a:ext cx="0" cy="0"/>
-          <a:chOff x="0" y="0"/>
-          <a:chExt cx="0" cy="0"/>
-        </a:xfrm>
-      </p:grpSpPr>
-      <p:sp>
-        <p:nvSpPr>
-          <p:cNvPr id="2" name="제목 1"/>
-          <p:cNvSpPr>
-            <a:spLocks noGrp="1"/>
-          </p:cNvSpPr>
-          <p:nvPr>
-            <p:ph type="ctrTitle"/>
-          </p:nvPr>
-        </p:nvSpPr>
-        <p:spPr>
-          <a:xfrm>
-            <a:off x="467544" y="404664"/>
-            <a:ext cx="6552728" cy="704078"/>
-          </a:xfrm>
-        </p:spPr>
-        <p:txBody>
-          <a:bodyPr>
-            <a:noAutofit/>
-          </a:bodyPr>
-          <a:lstStyle/>
-          <a:p>
-            <a:pPr algn="l"/>
-            <a:r>
               <a:rPr lang="en-US" altLang="ko-KR" sz="3000" b="1" spc="-100" dirty="0">
                 <a:solidFill>
                   <a:schemeClr val="accent6">
@@ -6025,550 +5545,7 @@
 </p:sld>
 </file>
 
-<file path=ppt/slides/slide6.xml><?xml version="1.0" encoding="utf-8"?>
-<p:sld xmlns:a="http://schemas.openxmlformats.org/drawingml/2006/main" xmlns:r="http://schemas.openxmlformats.org/officeDocument/2006/relationships" xmlns:p="http://schemas.openxmlformats.org/presentationml/2006/main">
-  <p:cSld>
-    <p:spTree>
-      <p:nvGrpSpPr>
-        <p:cNvPr id="1" name=""/>
-        <p:cNvGrpSpPr/>
-        <p:nvPr/>
-      </p:nvGrpSpPr>
-      <p:grpSpPr>
-        <a:xfrm>
-          <a:off x="0" y="0"/>
-          <a:ext cx="0" cy="0"/>
-          <a:chOff x="0" y="0"/>
-          <a:chExt cx="0" cy="0"/>
-        </a:xfrm>
-      </p:grpSpPr>
-      <p:sp>
-        <p:nvSpPr>
-          <p:cNvPr id="2" name="제목 1"/>
-          <p:cNvSpPr>
-            <a:spLocks noGrp="1"/>
-          </p:cNvSpPr>
-          <p:nvPr>
-            <p:ph type="ctrTitle"/>
-          </p:nvPr>
-        </p:nvSpPr>
-        <p:spPr>
-          <a:xfrm>
-            <a:off x="467544" y="404664"/>
-            <a:ext cx="6552728" cy="704078"/>
-          </a:xfrm>
-        </p:spPr>
-        <p:txBody>
-          <a:bodyPr>
-            <a:noAutofit/>
-          </a:bodyPr>
-          <a:lstStyle/>
-          <a:p>
-            <a:pPr algn="l"/>
-            <a:r>
-              <a:rPr lang="en-US" altLang="ko-KR" sz="3000" b="1" spc="-100" dirty="0">
-                <a:solidFill>
-                  <a:schemeClr val="accent6">
-                    <a:lumMod val="75000"/>
-                  </a:schemeClr>
-                </a:solidFill>
-                <a:latin typeface="나눔고딕 ExtraBold" pitchFamily="50" charset="-127"/>
-                <a:ea typeface="나눔고딕 ExtraBold" pitchFamily="50" charset="-127"/>
-              </a:rPr>
-              <a:t>Mob</a:t>
-            </a:r>
-          </a:p>
-        </p:txBody>
-      </p:sp>
-      <p:sp>
-        <p:nvSpPr>
-          <p:cNvPr id="8" name="직사각형 7"/>
-          <p:cNvSpPr/>
-          <p:nvPr/>
-        </p:nvSpPr>
-        <p:spPr>
-          <a:xfrm>
-            <a:off x="395536" y="404664"/>
-            <a:ext cx="8352928" cy="792088"/>
-          </a:xfrm>
-          <a:prstGeom prst="rect">
-            <a:avLst/>
-          </a:prstGeom>
-          <a:noFill/>
-          <a:ln w="88900">
-            <a:solidFill>
-              <a:schemeClr val="accent6">
-                <a:lumMod val="75000"/>
-              </a:schemeClr>
-            </a:solidFill>
-            <a:miter lim="800000"/>
-          </a:ln>
-        </p:spPr>
-        <p:style>
-          <a:lnRef idx="2">
-            <a:schemeClr val="accent1">
-              <a:shade val="50000"/>
-            </a:schemeClr>
-          </a:lnRef>
-          <a:fillRef idx="1">
-            <a:schemeClr val="accent1"/>
-          </a:fillRef>
-          <a:effectRef idx="0">
-            <a:schemeClr val="accent1"/>
-          </a:effectRef>
-          <a:fontRef idx="minor">
-            <a:schemeClr val="lt1"/>
-          </a:fontRef>
-        </p:style>
-        <p:txBody>
-          <a:bodyPr rtlCol="0" anchor="ctr"/>
-          <a:lstStyle/>
-          <a:p>
-            <a:pPr algn="ctr"/>
-            <a:endParaRPr lang="ko-KR" altLang="en-US" dirty="0">
-              <a:solidFill>
-                <a:schemeClr val="accent6">
-                  <a:lumMod val="75000"/>
-                </a:schemeClr>
-              </a:solidFill>
-              <a:latin typeface="나눔고딕" pitchFamily="50" charset="-127"/>
-              <a:ea typeface="나눔고딕" pitchFamily="50" charset="-127"/>
-            </a:endParaRPr>
-          </a:p>
-        </p:txBody>
-      </p:sp>
-      <p:sp>
-        <p:nvSpPr>
-          <p:cNvPr id="19" name="부제목 2">
-            <a:extLst>
-              <a:ext uri="{FF2B5EF4-FFF2-40B4-BE49-F238E27FC236}">
-                <a16:creationId xmlns:a16="http://schemas.microsoft.com/office/drawing/2014/main" id="{7CBD11E1-C4CE-A045-A4FB-C57921323FB9}"/>
-              </a:ext>
-            </a:extLst>
-          </p:cNvPr>
-          <p:cNvSpPr txBox="1">
-            <a:spLocks/>
-          </p:cNvSpPr>
-          <p:nvPr/>
-        </p:nvSpPr>
-        <p:spPr>
-          <a:xfrm>
-            <a:off x="4572000" y="1628800"/>
-            <a:ext cx="3672408" cy="4519188"/>
-          </a:xfrm>
-          <a:prstGeom prst="rect">
-            <a:avLst/>
-          </a:prstGeom>
-        </p:spPr>
-        <p:txBody>
-          <a:bodyPr vert="horz" lIns="91440" tIns="45720" rIns="91440" bIns="45720" rtlCol="0">
-            <a:normAutofit/>
-          </a:bodyPr>
-          <a:lstStyle/>
-          <a:p>
-            <a:pPr>
-              <a:lnSpc>
-                <a:spcPct val="150000"/>
-              </a:lnSpc>
-            </a:pPr>
-            <a:r>
-              <a:rPr lang="en-US" altLang="ko-KR" sz="2000" b="1" spc="-20" dirty="0">
-                <a:solidFill>
-                  <a:schemeClr val="accent6">
-                    <a:lumMod val="75000"/>
-                  </a:schemeClr>
-                </a:solidFill>
-                <a:latin typeface="나눔고딕" pitchFamily="50" charset="-127"/>
-                <a:ea typeface="나눔고딕" pitchFamily="50" charset="-127"/>
-              </a:rPr>
-              <a:t>Mob()</a:t>
-            </a:r>
-          </a:p>
-          <a:p>
-            <a:pPr>
-              <a:lnSpc>
-                <a:spcPct val="150000"/>
-              </a:lnSpc>
-            </a:pPr>
-            <a:r>
-              <a:rPr lang="en-US" altLang="ko-KR" sz="1600" spc="-20" dirty="0">
-                <a:solidFill>
-                  <a:schemeClr val="accent6">
-                    <a:lumMod val="75000"/>
-                  </a:schemeClr>
-                </a:solidFill>
-                <a:latin typeface="나눔고딕" pitchFamily="50" charset="-127"/>
-                <a:ea typeface="나눔고딕" pitchFamily="50" charset="-127"/>
-              </a:rPr>
-              <a:t>Random</a:t>
-            </a:r>
-            <a:r>
-              <a:rPr lang="ko-KR" altLang="en-US" sz="1600" spc="-20" dirty="0">
-                <a:solidFill>
-                  <a:schemeClr val="accent6">
-                    <a:lumMod val="75000"/>
-                  </a:schemeClr>
-                </a:solidFill>
-                <a:latin typeface="나눔고딕" pitchFamily="50" charset="-127"/>
-                <a:ea typeface="나눔고딕" pitchFamily="50" charset="-127"/>
-              </a:rPr>
-              <a:t> </a:t>
-            </a:r>
-            <a:r>
-              <a:rPr lang="en-US" altLang="ko-KR" sz="1600" spc="-20" dirty="0">
-                <a:solidFill>
-                  <a:schemeClr val="accent6">
-                    <a:lumMod val="75000"/>
-                  </a:schemeClr>
-                </a:solidFill>
-                <a:latin typeface="나눔고딕" pitchFamily="50" charset="-127"/>
-                <a:ea typeface="나눔고딕" pitchFamily="50" charset="-127"/>
-              </a:rPr>
-              <a:t>y</a:t>
-            </a:r>
-            <a:r>
-              <a:rPr lang="ko-KR" altLang="en-US" sz="1600" spc="-20" dirty="0">
-                <a:solidFill>
-                  <a:schemeClr val="accent6">
-                    <a:lumMod val="75000"/>
-                  </a:schemeClr>
-                </a:solidFill>
-                <a:latin typeface="나눔고딕" pitchFamily="50" charset="-127"/>
-                <a:ea typeface="나눔고딕" pitchFamily="50" charset="-127"/>
-              </a:rPr>
-              <a:t>에서</a:t>
-            </a:r>
-            <a:endParaRPr lang="en-US" altLang="ko-KR" sz="1600" spc="-20" dirty="0">
-              <a:solidFill>
-                <a:schemeClr val="accent6">
-                  <a:lumMod val="75000"/>
-                </a:schemeClr>
-              </a:solidFill>
-              <a:latin typeface="나눔고딕" pitchFamily="50" charset="-127"/>
-              <a:ea typeface="나눔고딕" pitchFamily="50" charset="-127"/>
-            </a:endParaRPr>
-          </a:p>
-          <a:p>
-            <a:pPr>
-              <a:lnSpc>
-                <a:spcPct val="150000"/>
-              </a:lnSpc>
-            </a:pPr>
-            <a:r>
-              <a:rPr lang="en-US" altLang="ko-KR" sz="1600" spc="-20" dirty="0">
-                <a:solidFill>
-                  <a:schemeClr val="accent6">
-                    <a:lumMod val="75000"/>
-                  </a:schemeClr>
-                </a:solidFill>
-                <a:latin typeface="나눔고딕" pitchFamily="50" charset="-127"/>
-                <a:ea typeface="나눔고딕" pitchFamily="50" charset="-127"/>
-              </a:rPr>
-              <a:t>Random</a:t>
-            </a:r>
-            <a:r>
-              <a:rPr lang="ko-KR" altLang="en-US" sz="1600" spc="-20" dirty="0">
-                <a:solidFill>
-                  <a:schemeClr val="accent6">
-                    <a:lumMod val="75000"/>
-                  </a:schemeClr>
-                </a:solidFill>
-                <a:latin typeface="나눔고딕" pitchFamily="50" charset="-127"/>
-                <a:ea typeface="나눔고딕" pitchFamily="50" charset="-127"/>
-              </a:rPr>
-              <a:t> </a:t>
-            </a:r>
-            <a:r>
-              <a:rPr lang="en-US" altLang="ko-KR" sz="1600" spc="-20" dirty="0">
-                <a:solidFill>
-                  <a:schemeClr val="accent6">
-                    <a:lumMod val="75000"/>
-                  </a:schemeClr>
-                </a:solidFill>
-                <a:latin typeface="나눔고딕" pitchFamily="50" charset="-127"/>
-                <a:ea typeface="나눔고딕" pitchFamily="50" charset="-127"/>
-              </a:rPr>
-              <a:t>speed</a:t>
-            </a:r>
-            <a:r>
-              <a:rPr lang="ko-KR" altLang="en-US" sz="1600" spc="-20" dirty="0">
-                <a:solidFill>
-                  <a:schemeClr val="accent6">
-                    <a:lumMod val="75000"/>
-                  </a:schemeClr>
-                </a:solidFill>
-                <a:latin typeface="나눔고딕" pitchFamily="50" charset="-127"/>
-                <a:ea typeface="나눔고딕" pitchFamily="50" charset="-127"/>
-              </a:rPr>
-              <a:t>로 적을 생성</a:t>
-            </a:r>
-            <a:endParaRPr lang="en-US" altLang="ko-KR" sz="1600" spc="-20" dirty="0">
-              <a:solidFill>
-                <a:schemeClr val="accent6">
-                  <a:lumMod val="75000"/>
-                </a:schemeClr>
-              </a:solidFill>
-              <a:latin typeface="나눔고딕" pitchFamily="50" charset="-127"/>
-              <a:ea typeface="나눔고딕" pitchFamily="50" charset="-127"/>
-            </a:endParaRPr>
-          </a:p>
-          <a:p>
-            <a:pPr>
-              <a:lnSpc>
-                <a:spcPct val="150000"/>
-              </a:lnSpc>
-            </a:pPr>
-            <a:endParaRPr lang="en-US" altLang="ko-KR" sz="2000" b="1" spc="-20" dirty="0">
-              <a:solidFill>
-                <a:schemeClr val="accent6">
-                  <a:lumMod val="75000"/>
-                </a:schemeClr>
-              </a:solidFill>
-              <a:latin typeface="나눔고딕" pitchFamily="50" charset="-127"/>
-              <a:ea typeface="나눔고딕" pitchFamily="50" charset="-127"/>
-            </a:endParaRPr>
-          </a:p>
-          <a:p>
-            <a:pPr>
-              <a:lnSpc>
-                <a:spcPct val="150000"/>
-              </a:lnSpc>
-            </a:pPr>
-            <a:r>
-              <a:rPr lang="en-US" altLang="ko-KR" sz="2000" b="1" spc="-20" dirty="0" err="1">
-                <a:solidFill>
-                  <a:schemeClr val="accent6">
-                    <a:lumMod val="75000"/>
-                  </a:schemeClr>
-                </a:solidFill>
-                <a:latin typeface="나눔고딕" pitchFamily="50" charset="-127"/>
-                <a:ea typeface="나눔고딕" pitchFamily="50" charset="-127"/>
-              </a:rPr>
-              <a:t>Mob.render</a:t>
-            </a:r>
-            <a:r>
-              <a:rPr lang="en-US" altLang="ko-KR" sz="2000" b="1" spc="-20" dirty="0">
-                <a:solidFill>
-                  <a:schemeClr val="accent6">
-                    <a:lumMod val="75000"/>
-                  </a:schemeClr>
-                </a:solidFill>
-                <a:latin typeface="나눔고딕" pitchFamily="50" charset="-127"/>
-                <a:ea typeface="나눔고딕" pitchFamily="50" charset="-127"/>
-              </a:rPr>
-              <a:t>()</a:t>
-            </a:r>
-          </a:p>
-          <a:p>
-            <a:pPr>
-              <a:lnSpc>
-                <a:spcPct val="150000"/>
-              </a:lnSpc>
-            </a:pPr>
-            <a:r>
-              <a:rPr lang="en-US" altLang="ko-KR" sz="1600" spc="-20" dirty="0">
-                <a:solidFill>
-                  <a:schemeClr val="accent6">
-                    <a:lumMod val="75000"/>
-                  </a:schemeClr>
-                </a:solidFill>
-                <a:latin typeface="나눔고딕" pitchFamily="50" charset="-127"/>
-                <a:ea typeface="나눔고딕" pitchFamily="50" charset="-127"/>
-              </a:rPr>
-              <a:t>Random</a:t>
-            </a:r>
-            <a:r>
-              <a:rPr lang="ko-KR" altLang="en-US" sz="1600" spc="-20" dirty="0">
-                <a:solidFill>
-                  <a:schemeClr val="accent6">
-                    <a:lumMod val="75000"/>
-                  </a:schemeClr>
-                </a:solidFill>
-                <a:latin typeface="나눔고딕" pitchFamily="50" charset="-127"/>
-                <a:ea typeface="나눔고딕" pitchFamily="50" charset="-127"/>
-              </a:rPr>
-              <a:t> </a:t>
-            </a:r>
-            <a:r>
-              <a:rPr lang="en-US" altLang="ko-KR" sz="1600" spc="-20" dirty="0">
-                <a:solidFill>
-                  <a:schemeClr val="accent6">
-                    <a:lumMod val="75000"/>
-                  </a:schemeClr>
-                </a:solidFill>
-                <a:latin typeface="나눔고딕" pitchFamily="50" charset="-127"/>
-                <a:ea typeface="나눔고딕" pitchFamily="50" charset="-127"/>
-              </a:rPr>
-              <a:t>Color</a:t>
-            </a:r>
-            <a:r>
-              <a:rPr lang="ko-KR" altLang="en-US" sz="1600" spc="-20" dirty="0">
-                <a:solidFill>
-                  <a:schemeClr val="accent6">
-                    <a:lumMod val="75000"/>
-                  </a:schemeClr>
-                </a:solidFill>
-                <a:latin typeface="나눔고딕" pitchFamily="50" charset="-127"/>
-                <a:ea typeface="나눔고딕" pitchFamily="50" charset="-127"/>
-              </a:rPr>
-              <a:t>의 적을 생성</a:t>
-            </a:r>
-            <a:endParaRPr lang="en-US" altLang="ko-KR" sz="1600" spc="-20" dirty="0">
-              <a:solidFill>
-                <a:schemeClr val="accent6">
-                  <a:lumMod val="75000"/>
-                </a:schemeClr>
-              </a:solidFill>
-              <a:latin typeface="나눔고딕" pitchFamily="50" charset="-127"/>
-              <a:ea typeface="나눔고딕" pitchFamily="50" charset="-127"/>
-            </a:endParaRPr>
-          </a:p>
-          <a:p>
-            <a:pPr>
-              <a:lnSpc>
-                <a:spcPct val="150000"/>
-              </a:lnSpc>
-            </a:pPr>
-            <a:r>
-              <a:rPr lang="en-US" altLang="ko-KR" sz="1600" spc="-20" dirty="0" err="1">
-                <a:solidFill>
-                  <a:schemeClr val="accent6">
-                    <a:lumMod val="75000"/>
-                  </a:schemeClr>
-                </a:solidFill>
-                <a:latin typeface="나눔고딕" pitchFamily="50" charset="-127"/>
-                <a:ea typeface="나눔고딕" pitchFamily="50" charset="-127"/>
-              </a:rPr>
-              <a:t>GameLevel</a:t>
-            </a:r>
-            <a:r>
-              <a:rPr lang="ko-KR" altLang="en-US" sz="1600" spc="-20" dirty="0">
-                <a:solidFill>
-                  <a:schemeClr val="accent6">
-                    <a:lumMod val="75000"/>
-                  </a:schemeClr>
-                </a:solidFill>
-                <a:latin typeface="나눔고딕" pitchFamily="50" charset="-127"/>
-                <a:ea typeface="나눔고딕" pitchFamily="50" charset="-127"/>
-              </a:rPr>
-              <a:t>에 따라 적이이 생성되는 </a:t>
-            </a:r>
-            <a:endParaRPr lang="en-US" altLang="ko-KR" sz="1600" spc="-20" dirty="0">
-              <a:solidFill>
-                <a:schemeClr val="accent6">
-                  <a:lumMod val="75000"/>
-                </a:schemeClr>
-              </a:solidFill>
-              <a:latin typeface="나눔고딕" pitchFamily="50" charset="-127"/>
-              <a:ea typeface="나눔고딕" pitchFamily="50" charset="-127"/>
-            </a:endParaRPr>
-          </a:p>
-          <a:p>
-            <a:pPr>
-              <a:lnSpc>
-                <a:spcPct val="150000"/>
-              </a:lnSpc>
-            </a:pPr>
-            <a:r>
-              <a:rPr lang="ko-KR" altLang="en-US" sz="1600" spc="-20" dirty="0">
-                <a:solidFill>
-                  <a:schemeClr val="accent6">
-                    <a:lumMod val="75000"/>
-                  </a:schemeClr>
-                </a:solidFill>
-                <a:latin typeface="나눔고딕" pitchFamily="50" charset="-127"/>
-                <a:ea typeface="나눔고딕" pitchFamily="50" charset="-127"/>
-              </a:rPr>
-              <a:t>빈도수를 다르게 설정</a:t>
-            </a:r>
-            <a:endParaRPr lang="en-US" altLang="ko-KR" sz="1600" spc="-20" dirty="0">
-              <a:solidFill>
-                <a:schemeClr val="accent6">
-                  <a:lumMod val="75000"/>
-                </a:schemeClr>
-              </a:solidFill>
-              <a:latin typeface="나눔고딕" pitchFamily="50" charset="-127"/>
-              <a:ea typeface="나눔고딕" pitchFamily="50" charset="-127"/>
-            </a:endParaRPr>
-          </a:p>
-          <a:p>
-            <a:pPr>
-              <a:lnSpc>
-                <a:spcPct val="150000"/>
-              </a:lnSpc>
-            </a:pPr>
-            <a:endParaRPr lang="en-US" altLang="ko-KR" sz="1600" spc="-20" dirty="0">
-              <a:solidFill>
-                <a:schemeClr val="accent6">
-                  <a:lumMod val="75000"/>
-                </a:schemeClr>
-              </a:solidFill>
-              <a:latin typeface="나눔고딕" pitchFamily="50" charset="-127"/>
-              <a:ea typeface="나눔고딕" pitchFamily="50" charset="-127"/>
-            </a:endParaRPr>
-          </a:p>
-          <a:p>
-            <a:pPr>
-              <a:lnSpc>
-                <a:spcPct val="150000"/>
-              </a:lnSpc>
-            </a:pPr>
-            <a:endParaRPr lang="en-US" altLang="ko-KR" sz="1600" spc="-20" dirty="0">
-              <a:solidFill>
-                <a:schemeClr val="accent6">
-                  <a:lumMod val="75000"/>
-                </a:schemeClr>
-              </a:solidFill>
-              <a:latin typeface="나눔고딕" pitchFamily="50" charset="-127"/>
-              <a:ea typeface="나눔고딕" pitchFamily="50" charset="-127"/>
-            </a:endParaRPr>
-          </a:p>
-        </p:txBody>
-      </p:sp>
-      <p:pic>
-        <p:nvPicPr>
-          <p:cNvPr id="4" name="그림 3">
-            <a:extLst>
-              <a:ext uri="{FF2B5EF4-FFF2-40B4-BE49-F238E27FC236}">
-                <a16:creationId xmlns:a16="http://schemas.microsoft.com/office/drawing/2014/main" id="{C4C0FA99-24CE-4149-825A-8D42A8A818E0}"/>
-              </a:ext>
-            </a:extLst>
-          </p:cNvPr>
-          <p:cNvPicPr>
-            <a:picLocks noChangeAspect="1"/>
-          </p:cNvPicPr>
-          <p:nvPr/>
-        </p:nvPicPr>
-        <p:blipFill>
-          <a:blip r:embed="rId2"/>
-          <a:stretch>
-            <a:fillRect/>
-          </a:stretch>
-        </p:blipFill>
-        <p:spPr>
-          <a:xfrm>
-            <a:off x="464200" y="1628800"/>
-            <a:ext cx="3600400" cy="4631797"/>
-          </a:xfrm>
-          <a:prstGeom prst="rect">
-            <a:avLst/>
-          </a:prstGeom>
-        </p:spPr>
-      </p:pic>
-    </p:spTree>
-    <p:extLst>
-      <p:ext uri="{BB962C8B-B14F-4D97-AF65-F5344CB8AC3E}">
-        <p14:creationId xmlns:p14="http://schemas.microsoft.com/office/powerpoint/2010/main" val="1693719387"/>
-      </p:ext>
-    </p:extLst>
-  </p:cSld>
-  <p:clrMapOvr>
-    <a:masterClrMapping/>
-  </p:clrMapOvr>
-</p:sld>
-</file>
-
-<file path=ppt/slides/slide7.xml><?xml version="1.0" encoding="utf-8"?>
+<file path=ppt/slides/slide5.xml><?xml version="1.0" encoding="utf-8"?>
 <p:sld xmlns:a="http://schemas.openxmlformats.org/drawingml/2006/main" xmlns:r="http://schemas.openxmlformats.org/officeDocument/2006/relationships" xmlns:p="http://schemas.openxmlformats.org/presentationml/2006/main">
   <p:cSld>
     <p:spTree>
